--- a/Slides/C#/2. Setting the environments/Installations.pptx
+++ b/Slides/C#/2. Setting the environments/Installations.pptx
@@ -207,7 +207,7 @@
           <a:p>
             <a:fld id="{8C847B60-84D8-463D-8D41-3C20230D1F4A}" type="datetimeFigureOut">
               <a:rPr lang="en-US" smtClean="0"/>
-              <a:t>5/11/2023</a:t>
+              <a:t>8/7/2023</a:t>
             </a:fld>
             <a:endParaRPr lang="en-US"/>
           </a:p>
@@ -725,7 +725,7 @@
           <a:p>
             <a:fld id="{B87F109A-1D96-4FAB-8ABD-35973951C2A5}" type="datetimeFigureOut">
               <a:rPr lang="en-US" smtClean="0"/>
-              <a:t>5/11/2023</a:t>
+              <a:t>8/7/2023</a:t>
             </a:fld>
             <a:endParaRPr lang="en-US"/>
           </a:p>
@@ -923,7 +923,7 @@
           <a:p>
             <a:fld id="{B87F109A-1D96-4FAB-8ABD-35973951C2A5}" type="datetimeFigureOut">
               <a:rPr lang="en-US" smtClean="0"/>
-              <a:t>5/11/2023</a:t>
+              <a:t>8/7/2023</a:t>
             </a:fld>
             <a:endParaRPr lang="en-US"/>
           </a:p>
@@ -1131,7 +1131,7 @@
           <a:p>
             <a:fld id="{B87F109A-1D96-4FAB-8ABD-35973951C2A5}" type="datetimeFigureOut">
               <a:rPr lang="en-US" smtClean="0"/>
-              <a:t>5/11/2023</a:t>
+              <a:t>8/7/2023</a:t>
             </a:fld>
             <a:endParaRPr lang="en-US"/>
           </a:p>
@@ -1998,7 +1998,7 @@
           <a:p>
             <a:fld id="{B87F109A-1D96-4FAB-8ABD-35973951C2A5}" type="datetimeFigureOut">
               <a:rPr lang="en-US" smtClean="0"/>
-              <a:t>5/11/2023</a:t>
+              <a:t>8/7/2023</a:t>
             </a:fld>
             <a:endParaRPr lang="en-US"/>
           </a:p>
@@ -2273,7 +2273,7 @@
           <a:p>
             <a:fld id="{B87F109A-1D96-4FAB-8ABD-35973951C2A5}" type="datetimeFigureOut">
               <a:rPr lang="en-US" smtClean="0"/>
-              <a:t>5/11/2023</a:t>
+              <a:t>8/7/2023</a:t>
             </a:fld>
             <a:endParaRPr lang="en-US"/>
           </a:p>
@@ -2538,7 +2538,7 @@
           <a:p>
             <a:fld id="{B87F109A-1D96-4FAB-8ABD-35973951C2A5}" type="datetimeFigureOut">
               <a:rPr lang="en-US" smtClean="0"/>
-              <a:t>5/11/2023</a:t>
+              <a:t>8/7/2023</a:t>
             </a:fld>
             <a:endParaRPr lang="en-US"/>
           </a:p>
@@ -2950,7 +2950,7 @@
           <a:p>
             <a:fld id="{B87F109A-1D96-4FAB-8ABD-35973951C2A5}" type="datetimeFigureOut">
               <a:rPr lang="en-US" smtClean="0"/>
-              <a:t>5/11/2023</a:t>
+              <a:t>8/7/2023</a:t>
             </a:fld>
             <a:endParaRPr lang="en-US"/>
           </a:p>
@@ -3091,7 +3091,7 @@
           <a:p>
             <a:fld id="{B87F109A-1D96-4FAB-8ABD-35973951C2A5}" type="datetimeFigureOut">
               <a:rPr lang="en-US" smtClean="0"/>
-              <a:t>5/11/2023</a:t>
+              <a:t>8/7/2023</a:t>
             </a:fld>
             <a:endParaRPr lang="en-US"/>
           </a:p>
@@ -3204,7 +3204,7 @@
           <a:p>
             <a:fld id="{B87F109A-1D96-4FAB-8ABD-35973951C2A5}" type="datetimeFigureOut">
               <a:rPr lang="en-US" smtClean="0"/>
-              <a:t>5/11/2023</a:t>
+              <a:t>8/7/2023</a:t>
             </a:fld>
             <a:endParaRPr lang="en-US"/>
           </a:p>
@@ -3515,7 +3515,7 @@
           <a:p>
             <a:fld id="{B87F109A-1D96-4FAB-8ABD-35973951C2A5}" type="datetimeFigureOut">
               <a:rPr lang="en-US" smtClean="0"/>
-              <a:t>5/11/2023</a:t>
+              <a:t>8/7/2023</a:t>
             </a:fld>
             <a:endParaRPr lang="en-US"/>
           </a:p>
@@ -3803,7 +3803,7 @@
           <a:p>
             <a:fld id="{B87F109A-1D96-4FAB-8ABD-35973951C2A5}" type="datetimeFigureOut">
               <a:rPr lang="en-US" smtClean="0"/>
-              <a:t>5/11/2023</a:t>
+              <a:t>8/7/2023</a:t>
             </a:fld>
             <a:endParaRPr lang="en-US"/>
           </a:p>
@@ -4044,7 +4044,7 @@
           <a:p>
             <a:fld id="{B87F109A-1D96-4FAB-8ABD-35973951C2A5}" type="datetimeFigureOut">
               <a:rPr lang="en-US" smtClean="0"/>
-              <a:t>5/11/2023</a:t>
+              <a:t>8/7/2023</a:t>
             </a:fld>
             <a:endParaRPr lang="en-US"/>
           </a:p>
@@ -27449,16 +27449,16 @@
               <a:buNone/>
             </a:pPr>
             <a:r>
-              <a:rPr lang="en-US" sz="2000"/>
+              <a:rPr lang="en-US" sz="2000" dirty="0"/>
               <a:t>To Download it visit: </a:t>
             </a:r>
             <a:r>
-              <a:rPr lang="en-US" sz="2000">
+              <a:rPr lang="en-US" sz="2000" dirty="0">
                 <a:hlinkClick r:id="rId2"/>
               </a:rPr>
               <a:t>https://dotnet.microsoft.com/en-us/download</a:t>
             </a:r>
-            <a:endParaRPr lang="en-US" sz="2000"/>
+            <a:endParaRPr lang="en-US" sz="2000" dirty="0"/>
           </a:p>
           <a:p>
             <a:pPr marL="152396" indent="0">
